--- a/Slide-UniStar/UniStar.pptx
+++ b/Slide-UniStar/UniStar.pptx
@@ -36482,8 +36482,8 @@
         </p:nvSpPr>
         <p:spPr>
           <a:xfrm>
-            <a:off x="1905000" y="2571750"/>
-            <a:ext cx="5105400" cy="1371600"/>
+            <a:off x="1828800" y="2571750"/>
+            <a:ext cx="5410200" cy="1371600"/>
           </a:xfrm>
         </p:spPr>
         <p:style>

--- a/Slide-UniStar/UniStar.pptx
+++ b/Slide-UniStar/UniStar.pptx
@@ -31526,8 +31526,8 @@
         </p:blipFill>
         <p:spPr bwMode="auto">
           <a:xfrm>
-            <a:off x="5105400" y="1847850"/>
-            <a:ext cx="1828800" cy="1828800"/>
+            <a:off x="5105400" y="2000250"/>
+            <a:ext cx="1676400" cy="1676400"/>
           </a:xfrm>
           <a:prstGeom prst="rect">
             <a:avLst/>
